--- a/Learn-Code-Intro.pptx
+++ b/Learn-Code-Intro.pptx
@@ -126,6 +126,7 @@
 <file path=ppt/revisionInfo.xml><?xml version="1.0" encoding="utf-8"?>
 <p1510:revInfo xmlns:a="http://schemas.openxmlformats.org/drawingml/2006/main" xmlns:r="http://schemas.openxmlformats.org/officeDocument/2006/relationships" xmlns:p1510="http://schemas.microsoft.com/office/powerpoint/2015/10/main">
   <p1510:revLst>
+    <p1510:client id="{0294AAD3-AE6B-440E-A336-4C4028FC2E86}" v="2" dt="2024-07-17T02:45:10.524"/>
     <p1510:client id="{9E3EB2FA-51A6-40AD-A167-4522F0B12A82}" v="7" dt="2024-07-17T02:27:26.166"/>
     <p1510:client id="{F2475B57-705E-414F-AB10-E7AC113480C5}" v="86" dt="2024-07-17T02:38:07.819"/>
   </p1510:revLst>
@@ -7207,13 +7208,16 @@
           <a:lstStyle/>
           <a:p>
             <a:r>
-              <a:rPr lang="en-US" dirty="0"/>
+              <a:rPr lang="en-US"/>
               <a:t>URL: </a:t>
             </a:r>
             <a:r>
-              <a:rPr lang="en-US"/>
+              <a:rPr lang="en-US" dirty="0">
+                <a:hlinkClick r:id="rId2"/>
+              </a:rPr>
               <a:t>http://codelearn.live</a:t>
             </a:r>
+            <a:endParaRPr lang="en-US"/>
           </a:p>
           <a:p>
             <a:r>
@@ -7221,9 +7225,10 @@
               <a:t>Repository: </a:t>
             </a:r>
             <a:r>
-              <a:rPr lang="en-US">
-                <a:ea typeface="+mn-lt"/>
-                <a:cs typeface="+mn-lt"/>
+              <a:rPr lang="en-US" dirty="0">
+                <a:ea typeface="+mn-lt"/>
+                <a:cs typeface="+mn-lt"/>
+                <a:hlinkClick r:id="rId3"/>
               </a:rPr>
               <a:t>https://github.com/airamez/learn-coding-python</a:t>
             </a:r>
